--- a/fuentes/contenidos/grado11/guion03/MAPA_11_03_C0.pptx
+++ b/fuentes/contenidos/grado11/guion03/MAPA_11_03_C0.pptx
@@ -661,7 +661,7 @@
           <a:p>
             <a:fld id="{52232757-EB72-4695-8D1D-5E348FE12D21}" type="datetimeFigureOut">
               <a:rPr lang="es-CO" smtClean="0"/>
-              <a:t>01/07/2016</a:t>
+              <a:t>03/07/2016</a:t>
             </a:fld>
             <a:endParaRPr lang="es-CO"/>
           </a:p>
@@ -831,7 +831,7 @@
           <a:p>
             <a:fld id="{52232757-EB72-4695-8D1D-5E348FE12D21}" type="datetimeFigureOut">
               <a:rPr lang="es-CO" smtClean="0"/>
-              <a:t>01/07/2016</a:t>
+              <a:t>03/07/2016</a:t>
             </a:fld>
             <a:endParaRPr lang="es-CO"/>
           </a:p>
@@ -1077,7 +1077,7 @@
           <a:p>
             <a:fld id="{52232757-EB72-4695-8D1D-5E348FE12D21}" type="datetimeFigureOut">
               <a:rPr lang="es-CO" smtClean="0"/>
-              <a:t>01/07/2016</a:t>
+              <a:t>03/07/2016</a:t>
             </a:fld>
             <a:endParaRPr lang="es-CO"/>
           </a:p>
@@ -1346,7 +1346,7 @@
           <a:p>
             <a:fld id="{52232757-EB72-4695-8D1D-5E348FE12D21}" type="datetimeFigureOut">
               <a:rPr lang="es-CO" smtClean="0"/>
-              <a:t>01/07/2016</a:t>
+              <a:t>03/07/2016</a:t>
             </a:fld>
             <a:endParaRPr lang="es-CO"/>
           </a:p>
@@ -1713,7 +1713,7 @@
           <a:p>
             <a:fld id="{52232757-EB72-4695-8D1D-5E348FE12D21}" type="datetimeFigureOut">
               <a:rPr lang="es-CO" smtClean="0"/>
-              <a:t>01/07/2016</a:t>
+              <a:t>03/07/2016</a:t>
             </a:fld>
             <a:endParaRPr lang="es-CO"/>
           </a:p>
@@ -1831,7 +1831,7 @@
           <a:p>
             <a:fld id="{52232757-EB72-4695-8D1D-5E348FE12D21}" type="datetimeFigureOut">
               <a:rPr lang="es-CO" smtClean="0"/>
-              <a:t>01/07/2016</a:t>
+              <a:t>03/07/2016</a:t>
             </a:fld>
             <a:endParaRPr lang="es-CO"/>
           </a:p>
@@ -1926,7 +1926,7 @@
           <a:p>
             <a:fld id="{52232757-EB72-4695-8D1D-5E348FE12D21}" type="datetimeFigureOut">
               <a:rPr lang="es-CO" smtClean="0"/>
-              <a:t>01/07/2016</a:t>
+              <a:t>03/07/2016</a:t>
             </a:fld>
             <a:endParaRPr lang="es-CO"/>
           </a:p>
@@ -2203,7 +2203,7 @@
           <a:p>
             <a:fld id="{52232757-EB72-4695-8D1D-5E348FE12D21}" type="datetimeFigureOut">
               <a:rPr lang="es-CO" smtClean="0"/>
-              <a:t>01/07/2016</a:t>
+              <a:t>03/07/2016</a:t>
             </a:fld>
             <a:endParaRPr lang="es-CO"/>
           </a:p>
@@ -2456,7 +2456,7 @@
           <a:p>
             <a:fld id="{52232757-EB72-4695-8D1D-5E348FE12D21}" type="datetimeFigureOut">
               <a:rPr lang="es-CO" smtClean="0"/>
-              <a:t>01/07/2016</a:t>
+              <a:t>03/07/2016</a:t>
             </a:fld>
             <a:endParaRPr lang="es-CO"/>
           </a:p>
@@ -2626,7 +2626,7 @@
           <a:p>
             <a:fld id="{52232757-EB72-4695-8D1D-5E348FE12D21}" type="datetimeFigureOut">
               <a:rPr lang="es-CO" smtClean="0"/>
-              <a:t>01/07/2016</a:t>
+              <a:t>03/07/2016</a:t>
             </a:fld>
             <a:endParaRPr lang="es-CO"/>
           </a:p>
@@ -2806,7 +2806,7 @@
           <a:p>
             <a:fld id="{52232757-EB72-4695-8D1D-5E348FE12D21}" type="datetimeFigureOut">
               <a:rPr lang="es-CO" smtClean="0"/>
-              <a:t>01/07/2016</a:t>
+              <a:t>03/07/2016</a:t>
             </a:fld>
             <a:endParaRPr lang="es-CO"/>
           </a:p>
@@ -2998,7 +2998,7 @@
           <a:p>
             <a:fld id="{B3F06F7F-5108-437D-9A34-792F7F8795A4}" type="datetimeFigureOut">
               <a:rPr lang="es-CO" smtClean="0"/>
-              <a:t>01/07/2016</a:t>
+              <a:t>03/07/2016</a:t>
             </a:fld>
             <a:endParaRPr lang="es-CO"/>
           </a:p>
@@ -3168,7 +3168,7 @@
           <a:p>
             <a:fld id="{B3F06F7F-5108-437D-9A34-792F7F8795A4}" type="datetimeFigureOut">
               <a:rPr lang="es-CO" smtClean="0"/>
-              <a:t>01/07/2016</a:t>
+              <a:t>03/07/2016</a:t>
             </a:fld>
             <a:endParaRPr lang="es-CO"/>
           </a:p>
@@ -3451,7 +3451,7 @@
           <a:p>
             <a:fld id="{B3F06F7F-5108-437D-9A34-792F7F8795A4}" type="datetimeFigureOut">
               <a:rPr lang="es-CO" smtClean="0"/>
-              <a:t>01/07/2016</a:t>
+              <a:t>03/07/2016</a:t>
             </a:fld>
             <a:endParaRPr lang="es-CO"/>
           </a:p>
@@ -3683,7 +3683,7 @@
           <a:p>
             <a:fld id="{B3F06F7F-5108-437D-9A34-792F7F8795A4}" type="datetimeFigureOut">
               <a:rPr lang="es-CO" smtClean="0"/>
-              <a:t>01/07/2016</a:t>
+              <a:t>03/07/2016</a:t>
             </a:fld>
             <a:endParaRPr lang="es-CO"/>
           </a:p>
@@ -4050,7 +4050,7 @@
           <a:p>
             <a:fld id="{B3F06F7F-5108-437D-9A34-792F7F8795A4}" type="datetimeFigureOut">
               <a:rPr lang="es-CO" smtClean="0"/>
-              <a:t>01/07/2016</a:t>
+              <a:t>03/07/2016</a:t>
             </a:fld>
             <a:endParaRPr lang="es-CO"/>
           </a:p>
@@ -4168,7 +4168,7 @@
           <a:p>
             <a:fld id="{B3F06F7F-5108-437D-9A34-792F7F8795A4}" type="datetimeFigureOut">
               <a:rPr lang="es-CO" smtClean="0"/>
-              <a:t>01/07/2016</a:t>
+              <a:t>03/07/2016</a:t>
             </a:fld>
             <a:endParaRPr lang="es-CO"/>
           </a:p>
@@ -4263,7 +4263,7 @@
           <a:p>
             <a:fld id="{B3F06F7F-5108-437D-9A34-792F7F8795A4}" type="datetimeFigureOut">
               <a:rPr lang="es-CO" smtClean="0"/>
-              <a:t>01/07/2016</a:t>
+              <a:t>03/07/2016</a:t>
             </a:fld>
             <a:endParaRPr lang="es-CO"/>
           </a:p>
@@ -4540,7 +4540,7 @@
           <a:p>
             <a:fld id="{B3F06F7F-5108-437D-9A34-792F7F8795A4}" type="datetimeFigureOut">
               <a:rPr lang="es-CO" smtClean="0"/>
-              <a:t>01/07/2016</a:t>
+              <a:t>03/07/2016</a:t>
             </a:fld>
             <a:endParaRPr lang="es-CO"/>
           </a:p>
@@ -4793,7 +4793,7 @@
           <a:p>
             <a:fld id="{B3F06F7F-5108-437D-9A34-792F7F8795A4}" type="datetimeFigureOut">
               <a:rPr lang="es-CO" smtClean="0"/>
-              <a:t>01/07/2016</a:t>
+              <a:t>03/07/2016</a:t>
             </a:fld>
             <a:endParaRPr lang="es-CO"/>
           </a:p>
@@ -4963,7 +4963,7 @@
           <a:p>
             <a:fld id="{B3F06F7F-5108-437D-9A34-792F7F8795A4}" type="datetimeFigureOut">
               <a:rPr lang="es-CO" smtClean="0"/>
-              <a:t>01/07/2016</a:t>
+              <a:t>03/07/2016</a:t>
             </a:fld>
             <a:endParaRPr lang="es-CO"/>
           </a:p>
@@ -5143,7 +5143,7 @@
           <a:p>
             <a:fld id="{B3F06F7F-5108-437D-9A34-792F7F8795A4}" type="datetimeFigureOut">
               <a:rPr lang="es-CO" smtClean="0"/>
-              <a:t>01/07/2016</a:t>
+              <a:t>03/07/2016</a:t>
             </a:fld>
             <a:endParaRPr lang="es-CO"/>
           </a:p>
@@ -5357,7 +5357,7 @@
           <a:p>
             <a:fld id="{5001C876-01F7-4317-94B9-1AE222133113}" type="datetimeFigureOut">
               <a:rPr lang="es-ES" smtClean="0"/>
-              <a:t>01/07/2016</a:t>
+              <a:t>03/07/2016</a:t>
             </a:fld>
             <a:endParaRPr lang="es-ES"/>
           </a:p>
@@ -6086,7 +6086,7 @@
           <a:p>
             <a:fld id="{52232757-EB72-4695-8D1D-5E348FE12D21}" type="datetimeFigureOut">
               <a:rPr lang="es-CO" smtClean="0"/>
-              <a:t>01/07/2016</a:t>
+              <a:t>03/07/2016</a:t>
             </a:fld>
             <a:endParaRPr lang="es-CO"/>
           </a:p>
@@ -6626,7 +6626,7 @@
           <a:p>
             <a:fld id="{B3F06F7F-5108-437D-9A34-792F7F8795A4}" type="datetimeFigureOut">
               <a:rPr lang="es-CO" smtClean="0"/>
-              <a:t>01/07/2016</a:t>
+              <a:t>03/07/2016</a:t>
             </a:fld>
             <a:endParaRPr lang="es-CO"/>
           </a:p>
@@ -7402,6 +7402,16 @@
           <a:lstStyle/>
           <a:p>
             <a:pPr algn="ctr"/>
+            <a:r>
+              <a:rPr lang="es-ES" sz="900" dirty="0" smtClean="0">
+                <a:solidFill>
+                  <a:schemeClr val="tx1"/>
+                </a:solidFill>
+                <a:latin typeface="Arial" panose="020B0604020202020204" pitchFamily="34" charset="0"/>
+                <a:cs typeface="Arial" panose="020B0604020202020204" pitchFamily="34" charset="0"/>
+              </a:rPr>
+              <a:t>&lt;&lt;formula01&gt;&gt;</a:t>
+            </a:r>
             <a:endParaRPr lang="es-ES" sz="900" dirty="0" smtClean="0">
               <a:solidFill>
                 <a:schemeClr val="tx1"/>
@@ -7811,11 +7821,25 @@
           <a:p>
             <a:pPr algn="ctr"/>
             <a:r>
+              <a:rPr lang="es-ES" sz="1200" b="1" smtClean="0">
+                <a:latin typeface="Arial" panose="020B0604020202020204" pitchFamily="34" charset="0"/>
+                <a:cs typeface="Arial" panose="020B0604020202020204" pitchFamily="34" charset="0"/>
+              </a:rPr>
+              <a:t>Determinar </a:t>
+            </a:r>
+            <a:r>
+              <a:rPr lang="es-ES" sz="1200" b="1" smtClean="0">
+                <a:latin typeface="Arial" panose="020B0604020202020204" pitchFamily="34" charset="0"/>
+                <a:cs typeface="Arial" panose="020B0604020202020204" pitchFamily="34" charset="0"/>
+              </a:rPr>
+              <a:t>la </a:t>
+            </a:r>
+            <a:r>
               <a:rPr lang="es-ES" sz="1200" b="1" dirty="0" smtClean="0">
                 <a:latin typeface="Arial" panose="020B0604020202020204" pitchFamily="34" charset="0"/>
                 <a:cs typeface="Arial" panose="020B0604020202020204" pitchFamily="34" charset="0"/>
               </a:rPr>
-              <a:t>Determinar de la continuidad o discontinuidad de una función</a:t>
+              <a:t>continuidad o discontinuidad de una función</a:t>
             </a:r>
             <a:endParaRPr lang="es-ES" sz="1200" b="1" dirty="0">
               <a:latin typeface="Arial" panose="020B0604020202020204" pitchFamily="34" charset="0"/>
@@ -7980,7 +8004,7 @@
         </p:nvSpPr>
         <p:spPr>
           <a:xfrm>
-            <a:off x="6836508" y="4238356"/>
+            <a:off x="7151871" y="4237406"/>
             <a:ext cx="1249850" cy="679649"/>
           </a:xfrm>
           <a:prstGeom prst="rect">
@@ -8016,6 +8040,26 @@
           <a:lstStyle/>
           <a:p>
             <a:pPr algn="ctr"/>
+            <a:r>
+              <a:rPr lang="es-ES" sz="900" dirty="0">
+                <a:solidFill>
+                  <a:schemeClr val="tx1"/>
+                </a:solidFill>
+                <a:latin typeface="Arial" panose="020B0604020202020204" pitchFamily="34" charset="0"/>
+                <a:cs typeface="Arial" panose="020B0604020202020204" pitchFamily="34" charset="0"/>
+              </a:rPr>
+              <a:t>&lt;&lt;</a:t>
+            </a:r>
+            <a:r>
+              <a:rPr lang="es-ES" sz="900" dirty="0" smtClean="0">
+                <a:solidFill>
+                  <a:schemeClr val="tx1"/>
+                </a:solidFill>
+                <a:latin typeface="Arial" panose="020B0604020202020204" pitchFamily="34" charset="0"/>
+                <a:cs typeface="Arial" panose="020B0604020202020204" pitchFamily="34" charset="0"/>
+              </a:rPr>
+              <a:t>formula06&gt;&gt;</a:t>
+            </a:r>
             <a:endParaRPr lang="es-ES" sz="900" dirty="0">
               <a:solidFill>
                 <a:schemeClr val="tx1"/>
@@ -8137,36 +8181,6 @@
           </a:fontRef>
         </p:style>
       </p:cxnSp>
-      <p:pic>
-        <p:nvPicPr>
-          <p:cNvPr id="27" name="Imagen 26"/>
-          <p:cNvPicPr>
-            <a:picLocks noChangeAspect="1"/>
-          </p:cNvPicPr>
-          <p:nvPr/>
-        </p:nvPicPr>
-        <p:blipFill>
-          <a:blip r:embed="rId2" cstate="print">
-            <a:extLst>
-              <a:ext uri="{28A0092B-C50C-407E-A947-70E740481C1C}">
-                <a14:useLocalDpi xmlns:a14="http://schemas.microsoft.com/office/drawing/2010/main" val="0"/>
-              </a:ext>
-            </a:extLst>
-          </a:blip>
-          <a:stretch>
-            <a:fillRect/>
-          </a:stretch>
-        </p:blipFill>
-        <p:spPr>
-          <a:xfrm>
-            <a:off x="496847" y="4578181"/>
-            <a:ext cx="870258" cy="239636"/>
-          </a:xfrm>
-          <a:prstGeom prst="rect">
-            <a:avLst/>
-          </a:prstGeom>
-        </p:spPr>
-      </p:pic>
       <p:cxnSp>
         <p:nvCxnSpPr>
           <p:cNvPr id="141" name="Conector angular 140"/>
@@ -8589,7 +8603,14 @@
                 <a:latin typeface="Arial" panose="020B0604020202020204" pitchFamily="34" charset="0"/>
                 <a:cs typeface="Arial" panose="020B0604020202020204" pitchFamily="34" charset="0"/>
               </a:rPr>
-              <a:t>se calcula</a:t>
+              <a:t>se </a:t>
+            </a:r>
+            <a:r>
+              <a:rPr lang="es-ES" sz="800" dirty="0" smtClean="0">
+                <a:latin typeface="Arial" panose="020B0604020202020204" pitchFamily="34" charset="0"/>
+                <a:cs typeface="Arial" panose="020B0604020202020204" pitchFamily="34" charset="0"/>
+              </a:rPr>
+              <a:t>calculan</a:t>
             </a:r>
             <a:endParaRPr lang="es-ES" sz="800" dirty="0">
               <a:latin typeface="Arial" panose="020B0604020202020204" pitchFamily="34" charset="0"/>
@@ -8788,48 +8809,15 @@
                 <a:latin typeface="Arial" panose="020B0604020202020204" pitchFamily="34" charset="0"/>
                 <a:cs typeface="Arial" panose="020B0604020202020204" pitchFamily="34" charset="0"/>
               </a:rPr>
-              <a:t>comprobar los acercamientos de la variable </a:t>
-            </a:r>
-            <a:r>
-              <a:rPr lang="es-ES" sz="900" i="1" dirty="0" smtClean="0">
-                <a:solidFill>
-                  <a:schemeClr val="tx1"/>
-                </a:solidFill>
-                <a:latin typeface="Arial" panose="020B0604020202020204" pitchFamily="34" charset="0"/>
-                <a:cs typeface="Arial" panose="020B0604020202020204" pitchFamily="34" charset="0"/>
-              </a:rPr>
-              <a:t>x</a:t>
-            </a:r>
-            <a:r>
-              <a:rPr lang="es-ES" sz="900" dirty="0" smtClean="0">
-                <a:solidFill>
-                  <a:schemeClr val="tx1"/>
-                </a:solidFill>
-                <a:latin typeface="Arial" panose="020B0604020202020204" pitchFamily="34" charset="0"/>
-                <a:cs typeface="Arial" panose="020B0604020202020204" pitchFamily="34" charset="0"/>
-              </a:rPr>
-              <a:t> al punto </a:t>
-            </a:r>
-            <a:r>
-              <a:rPr lang="es-ES" sz="900" i="1" dirty="0" smtClean="0">
-                <a:solidFill>
-                  <a:schemeClr val="tx1"/>
-                </a:solidFill>
-                <a:latin typeface="Arial" panose="020B0604020202020204" pitchFamily="34" charset="0"/>
-                <a:cs typeface="Arial" panose="020B0604020202020204" pitchFamily="34" charset="0"/>
-              </a:rPr>
-              <a:t>a</a:t>
-            </a:r>
-            <a:r>
-              <a:rPr lang="es-ES" sz="900" dirty="0" smtClean="0">
-                <a:solidFill>
-                  <a:schemeClr val="tx1"/>
-                </a:solidFill>
-                <a:latin typeface="Arial" panose="020B0604020202020204" pitchFamily="34" charset="0"/>
-                <a:cs typeface="Arial" panose="020B0604020202020204" pitchFamily="34" charset="0"/>
-              </a:rPr>
-              <a:t>, por la izquierda y por la derecha</a:t>
-            </a:r>
+              <a:t>comprobar el comportamiento de la función por izquierda y por derecha</a:t>
+            </a:r>
+            <a:endParaRPr lang="es-ES" sz="900" dirty="0" smtClean="0">
+              <a:solidFill>
+                <a:schemeClr val="tx1"/>
+              </a:solidFill>
+              <a:latin typeface="Arial" panose="020B0604020202020204" pitchFamily="34" charset="0"/>
+              <a:cs typeface="Arial" panose="020B0604020202020204" pitchFamily="34" charset="0"/>
+            </a:endParaRPr>
           </a:p>
         </p:txBody>
       </p:sp>
@@ -8905,7 +8893,7 @@
                 <a:latin typeface="Arial" panose="020B0604020202020204" pitchFamily="34" charset="0"/>
                 <a:cs typeface="Arial" panose="020B0604020202020204" pitchFamily="34" charset="0"/>
               </a:rPr>
-              <a:t>(x) cuando </a:t>
+              <a:t>(</a:t>
             </a:r>
             <a:r>
               <a:rPr lang="es-ES" sz="1000" i="1" dirty="0" smtClean="0">
@@ -8925,6 +8913,26 @@
                 <a:latin typeface="Arial" panose="020B0604020202020204" pitchFamily="34" charset="0"/>
                 <a:cs typeface="Arial" panose="020B0604020202020204" pitchFamily="34" charset="0"/>
               </a:rPr>
+              <a:t>) cuando </a:t>
+            </a:r>
+            <a:r>
+              <a:rPr lang="es-ES" sz="1000" i="1" dirty="0" smtClean="0">
+                <a:solidFill>
+                  <a:schemeClr val="bg1"/>
+                </a:solidFill>
+                <a:latin typeface="Arial" panose="020B0604020202020204" pitchFamily="34" charset="0"/>
+                <a:cs typeface="Arial" panose="020B0604020202020204" pitchFamily="34" charset="0"/>
+              </a:rPr>
+              <a:t>x</a:t>
+            </a:r>
+            <a:r>
+              <a:rPr lang="es-ES" sz="1000" dirty="0" smtClean="0">
+                <a:solidFill>
+                  <a:schemeClr val="bg1"/>
+                </a:solidFill>
+                <a:latin typeface="Arial" panose="020B0604020202020204" pitchFamily="34" charset="0"/>
+                <a:cs typeface="Arial" panose="020B0604020202020204" pitchFamily="34" charset="0"/>
+              </a:rPr>
               <a:t> toma valores muy grandes o muy pequeños</a:t>
             </a:r>
             <a:endParaRPr lang="es-ES" sz="1000" dirty="0">
@@ -8946,7 +8954,7 @@
         <p:spPr>
           <a:xfrm>
             <a:off x="2560219" y="5512657"/>
-            <a:ext cx="676507" cy="265477"/>
+            <a:ext cx="837569" cy="265477"/>
           </a:xfrm>
           <a:prstGeom prst="rect">
             <a:avLst/>
@@ -8987,7 +8995,7 @@
                 <a:latin typeface="Arial" panose="020B0604020202020204" pitchFamily="34" charset="0"/>
                 <a:cs typeface="Arial" panose="020B0604020202020204" pitchFamily="34" charset="0"/>
               </a:rPr>
-              <a:t>verticales</a:t>
+              <a:t>horizontales</a:t>
             </a:r>
             <a:endParaRPr lang="es-ES" sz="900" dirty="0">
               <a:solidFill>
@@ -9126,7 +9134,7 @@
                 <a:latin typeface="Arial" panose="020B0604020202020204" pitchFamily="34" charset="0"/>
                 <a:cs typeface="Arial" panose="020B0604020202020204" pitchFamily="34" charset="0"/>
               </a:rPr>
-              <a:t>se calcula</a:t>
+              <a:t>si </a:t>
             </a:r>
             <a:endParaRPr lang="es-ES" sz="800" dirty="0">
               <a:latin typeface="Arial" panose="020B0604020202020204" pitchFamily="34" charset="0"/>
@@ -9177,6 +9185,26 @@
           <a:lstStyle/>
           <a:p>
             <a:pPr algn="ctr"/>
+            <a:r>
+              <a:rPr lang="es-ES" sz="900" dirty="0">
+                <a:solidFill>
+                  <a:schemeClr val="tx1"/>
+                </a:solidFill>
+                <a:latin typeface="Arial" panose="020B0604020202020204" pitchFamily="34" charset="0"/>
+                <a:cs typeface="Arial" panose="020B0604020202020204" pitchFamily="34" charset="0"/>
+              </a:rPr>
+              <a:t>&lt;&lt;</a:t>
+            </a:r>
+            <a:r>
+              <a:rPr lang="es-ES" sz="900" dirty="0" smtClean="0">
+                <a:solidFill>
+                  <a:schemeClr val="tx1"/>
+                </a:solidFill>
+                <a:latin typeface="Arial" panose="020B0604020202020204" pitchFamily="34" charset="0"/>
+                <a:cs typeface="Arial" panose="020B0604020202020204" pitchFamily="34" charset="0"/>
+              </a:rPr>
+              <a:t>formula02&gt;&gt;</a:t>
+            </a:r>
             <a:endParaRPr lang="es-ES" sz="900" dirty="0">
               <a:solidFill>
                 <a:schemeClr val="tx1"/>
@@ -9187,36 +9215,6 @@
           </a:p>
         </p:txBody>
       </p:sp>
-      <p:pic>
-        <p:nvPicPr>
-          <p:cNvPr id="86" name="Imagen 85"/>
-          <p:cNvPicPr>
-            <a:picLocks noChangeAspect="1"/>
-          </p:cNvPicPr>
-          <p:nvPr/>
-        </p:nvPicPr>
-        <p:blipFill>
-          <a:blip r:embed="rId3" cstate="print">
-            <a:extLst>
-              <a:ext uri="{28A0092B-C50C-407E-A947-70E740481C1C}">
-                <a14:useLocalDpi xmlns:a14="http://schemas.microsoft.com/office/drawing/2010/main" val="0"/>
-              </a:ext>
-            </a:extLst>
-          </a:blip>
-          <a:stretch>
-            <a:fillRect/>
-          </a:stretch>
-        </p:blipFill>
-        <p:spPr>
-          <a:xfrm>
-            <a:off x="2328776" y="6416949"/>
-            <a:ext cx="916453" cy="215858"/>
-          </a:xfrm>
-          <a:prstGeom prst="rect">
-            <a:avLst/>
-          </a:prstGeom>
-        </p:spPr>
-      </p:pic>
       <p:sp>
         <p:nvSpPr>
           <p:cNvPr id="299" name="Rectángulo 298" descr="Nodo de sexto nivel" title="Nodo06"/>
@@ -9225,8 +9223,8 @@
         </p:nvSpPr>
         <p:spPr>
           <a:xfrm>
-            <a:off x="3561907" y="6322478"/>
-            <a:ext cx="1189689" cy="335210"/>
+            <a:off x="3561907" y="6322477"/>
+            <a:ext cx="1349095" cy="453013"/>
           </a:xfrm>
           <a:prstGeom prst="rect">
             <a:avLst/>
@@ -9259,7 +9257,67 @@
           <a:lstStyle/>
           <a:p>
             <a:pPr algn="ctr"/>
-            <a:endParaRPr lang="es-ES" sz="900" dirty="0">
+            <a:r>
+              <a:rPr lang="es-ES" sz="900" dirty="0" smtClean="0">
+                <a:solidFill>
+                  <a:schemeClr val="tx1"/>
+                </a:solidFill>
+                <a:latin typeface="Arial" panose="020B0604020202020204" pitchFamily="34" charset="0"/>
+                <a:cs typeface="Arial" panose="020B0604020202020204" pitchFamily="34" charset="0"/>
+              </a:rPr>
+              <a:t>la función tiende a una recta </a:t>
+            </a:r>
+            <a:r>
+              <a:rPr lang="es-ES" sz="900" i="1" dirty="0" smtClean="0">
+                <a:solidFill>
+                  <a:schemeClr val="tx1"/>
+                </a:solidFill>
+                <a:latin typeface="Arial" panose="020B0604020202020204" pitchFamily="34" charset="0"/>
+                <a:cs typeface="Arial" panose="020B0604020202020204" pitchFamily="34" charset="0"/>
+              </a:rPr>
+              <a:t>y</a:t>
+            </a:r>
+            <a:r>
+              <a:rPr lang="es-ES" sz="900" dirty="0" smtClean="0">
+                <a:solidFill>
+                  <a:schemeClr val="tx1"/>
+                </a:solidFill>
+                <a:latin typeface="Arial" panose="020B0604020202020204" pitchFamily="34" charset="0"/>
+                <a:cs typeface="Arial" panose="020B0604020202020204" pitchFamily="34" charset="0"/>
+              </a:rPr>
+              <a:t> = </a:t>
+            </a:r>
+            <a:r>
+              <a:rPr lang="es-ES" sz="900" i="1" dirty="0" smtClean="0">
+                <a:solidFill>
+                  <a:schemeClr val="tx1"/>
+                </a:solidFill>
+                <a:latin typeface="Arial" panose="020B0604020202020204" pitchFamily="34" charset="0"/>
+                <a:cs typeface="Arial" panose="020B0604020202020204" pitchFamily="34" charset="0"/>
+              </a:rPr>
+              <a:t>mx</a:t>
+            </a:r>
+            <a:r>
+              <a:rPr lang="es-ES" sz="900" dirty="0" smtClean="0">
+                <a:solidFill>
+                  <a:schemeClr val="tx1"/>
+                </a:solidFill>
+                <a:latin typeface="Arial" panose="020B0604020202020204" pitchFamily="34" charset="0"/>
+                <a:cs typeface="Arial" panose="020B0604020202020204" pitchFamily="34" charset="0"/>
+              </a:rPr>
+              <a:t> + </a:t>
+            </a:r>
+            <a:r>
+              <a:rPr lang="es-ES" sz="900" i="1" dirty="0" smtClean="0">
+                <a:solidFill>
+                  <a:schemeClr val="tx1"/>
+                </a:solidFill>
+                <a:latin typeface="Arial" panose="020B0604020202020204" pitchFamily="34" charset="0"/>
+                <a:cs typeface="Arial" panose="020B0604020202020204" pitchFamily="34" charset="0"/>
+              </a:rPr>
+              <a:t>b</a:t>
+            </a:r>
+            <a:endParaRPr lang="es-ES" sz="900" i="1" dirty="0">
               <a:solidFill>
                 <a:schemeClr val="tx1"/>
               </a:solidFill>
@@ -9269,36 +9327,6 @@
           </a:p>
         </p:txBody>
       </p:sp>
-      <p:pic>
-        <p:nvPicPr>
-          <p:cNvPr id="87" name="Imagen 86"/>
-          <p:cNvPicPr>
-            <a:picLocks noChangeAspect="1"/>
-          </p:cNvPicPr>
-          <p:nvPr/>
-        </p:nvPicPr>
-        <p:blipFill>
-          <a:blip r:embed="rId4" cstate="print">
-            <a:extLst>
-              <a:ext uri="{28A0092B-C50C-407E-A947-70E740481C1C}">
-                <a14:useLocalDpi xmlns:a14="http://schemas.microsoft.com/office/drawing/2010/main" val="0"/>
-              </a:ext>
-            </a:extLst>
-          </a:blip>
-          <a:stretch>
-            <a:fillRect/>
-          </a:stretch>
-        </p:blipFill>
-        <p:spPr>
-          <a:xfrm>
-            <a:off x="3622581" y="6368240"/>
-            <a:ext cx="1040288" cy="214067"/>
-          </a:xfrm>
-          <a:prstGeom prst="rect">
-            <a:avLst/>
-          </a:prstGeom>
-        </p:spPr>
-      </p:pic>
       <p:sp>
         <p:nvSpPr>
           <p:cNvPr id="300" name="Rectángulo 299" descr="Nodo de segundo nivel" title="Nodo02"/>
@@ -9408,8 +9436,8 @@
         </p:nvSpPr>
         <p:spPr>
           <a:xfrm>
-            <a:off x="4149570" y="4404139"/>
-            <a:ext cx="761432" cy="413678"/>
+            <a:off x="4053436" y="4404139"/>
+            <a:ext cx="980680" cy="413678"/>
           </a:xfrm>
           <a:prstGeom prst="rect">
             <a:avLst/>
@@ -9444,6 +9472,26 @@
           <a:lstStyle/>
           <a:p>
             <a:pPr algn="ctr"/>
+            <a:r>
+              <a:rPr lang="es-ES" sz="900" dirty="0">
+                <a:solidFill>
+                  <a:schemeClr val="tx1"/>
+                </a:solidFill>
+                <a:latin typeface="Arial" panose="020B0604020202020204" pitchFamily="34" charset="0"/>
+                <a:cs typeface="Arial" panose="020B0604020202020204" pitchFamily="34" charset="0"/>
+              </a:rPr>
+              <a:t>&lt;&lt;</a:t>
+            </a:r>
+            <a:r>
+              <a:rPr lang="es-ES" sz="900" dirty="0" smtClean="0">
+                <a:solidFill>
+                  <a:schemeClr val="tx1"/>
+                </a:solidFill>
+                <a:latin typeface="Arial" panose="020B0604020202020204" pitchFamily="34" charset="0"/>
+                <a:cs typeface="Arial" panose="020B0604020202020204" pitchFamily="34" charset="0"/>
+              </a:rPr>
+              <a:t>formula03&gt;&gt;</a:t>
+            </a:r>
             <a:endParaRPr lang="es-ES" sz="900" dirty="0">
               <a:solidFill>
                 <a:schemeClr val="tx1"/>
@@ -9454,36 +9502,6 @@
           </a:p>
         </p:txBody>
       </p:sp>
-      <p:pic>
-        <p:nvPicPr>
-          <p:cNvPr id="305" name="Imagen 304"/>
-          <p:cNvPicPr>
-            <a:picLocks noChangeAspect="1"/>
-          </p:cNvPicPr>
-          <p:nvPr/>
-        </p:nvPicPr>
-        <p:blipFill>
-          <a:blip r:embed="rId5" cstate="print">
-            <a:extLst>
-              <a:ext uri="{28A0092B-C50C-407E-A947-70E740481C1C}">
-                <a14:useLocalDpi xmlns:a14="http://schemas.microsoft.com/office/drawing/2010/main" val="0"/>
-              </a:ext>
-            </a:extLst>
-          </a:blip>
-          <a:stretch>
-            <a:fillRect/>
-          </a:stretch>
-        </p:blipFill>
-        <p:spPr>
-          <a:xfrm>
-            <a:off x="4233517" y="4449852"/>
-            <a:ext cx="518079" cy="278966"/>
-          </a:xfrm>
-          <a:prstGeom prst="rect">
-            <a:avLst/>
-          </a:prstGeom>
-        </p:spPr>
-      </p:pic>
       <p:sp>
         <p:nvSpPr>
           <p:cNvPr id="306" name="Rectángulo 305" descr="Nodo de segundo nivel" title="Nodo02"/>
@@ -9664,8 +9682,8 @@
         </p:nvSpPr>
         <p:spPr>
           <a:xfrm>
-            <a:off x="5708363" y="4371693"/>
-            <a:ext cx="501540" cy="345337"/>
+            <a:off x="5459392" y="4371693"/>
+            <a:ext cx="1122497" cy="345337"/>
           </a:xfrm>
           <a:prstGeom prst="rect">
             <a:avLst/>
@@ -9700,6 +9718,26 @@
           <a:lstStyle/>
           <a:p>
             <a:pPr algn="ctr"/>
+            <a:r>
+              <a:rPr lang="es-ES" sz="900" dirty="0">
+                <a:solidFill>
+                  <a:schemeClr val="tx1"/>
+                </a:solidFill>
+                <a:latin typeface="Arial" panose="020B0604020202020204" pitchFamily="34" charset="0"/>
+                <a:cs typeface="Arial" panose="020B0604020202020204" pitchFamily="34" charset="0"/>
+              </a:rPr>
+              <a:t>&lt;&lt;</a:t>
+            </a:r>
+            <a:r>
+              <a:rPr lang="es-ES" sz="900" dirty="0" smtClean="0">
+                <a:solidFill>
+                  <a:schemeClr val="tx1"/>
+                </a:solidFill>
+                <a:latin typeface="Arial" panose="020B0604020202020204" pitchFamily="34" charset="0"/>
+                <a:cs typeface="Arial" panose="020B0604020202020204" pitchFamily="34" charset="0"/>
+              </a:rPr>
+              <a:t>formula05&gt;&gt;</a:t>
+            </a:r>
             <a:endParaRPr lang="es-ES" sz="900" dirty="0">
               <a:solidFill>
                 <a:schemeClr val="tx1"/>
@@ -9919,7 +9957,7 @@
         <p:spPr>
           <a:xfrm>
             <a:off x="4797049" y="5007821"/>
-            <a:ext cx="608729" cy="365105"/>
+            <a:ext cx="1056399" cy="365105"/>
           </a:xfrm>
           <a:prstGeom prst="rect">
             <a:avLst/>
@@ -9954,6 +9992,26 @@
           <a:lstStyle/>
           <a:p>
             <a:pPr algn="ctr"/>
+            <a:r>
+              <a:rPr lang="es-ES" sz="900" dirty="0">
+                <a:solidFill>
+                  <a:schemeClr val="tx1"/>
+                </a:solidFill>
+                <a:latin typeface="Arial" panose="020B0604020202020204" pitchFamily="34" charset="0"/>
+                <a:cs typeface="Arial" panose="020B0604020202020204" pitchFamily="34" charset="0"/>
+              </a:rPr>
+              <a:t>&lt;&lt;</a:t>
+            </a:r>
+            <a:r>
+              <a:rPr lang="es-ES" sz="900" dirty="0" smtClean="0">
+                <a:solidFill>
+                  <a:schemeClr val="tx1"/>
+                </a:solidFill>
+                <a:latin typeface="Arial" panose="020B0604020202020204" pitchFamily="34" charset="0"/>
+                <a:cs typeface="Arial" panose="020B0604020202020204" pitchFamily="34" charset="0"/>
+              </a:rPr>
+              <a:t>formula04&gt;&gt;</a:t>
+            </a:r>
             <a:endParaRPr lang="es-ES" sz="900" dirty="0">
               <a:solidFill>
                 <a:schemeClr val="tx1"/>
@@ -10008,36 +10066,6 @@
           </a:p>
         </p:txBody>
       </p:sp>
-      <p:pic>
-        <p:nvPicPr>
-          <p:cNvPr id="15" name="Imagen 14"/>
-          <p:cNvPicPr>
-            <a:picLocks noChangeAspect="1"/>
-          </p:cNvPicPr>
-          <p:nvPr/>
-        </p:nvPicPr>
-        <p:blipFill>
-          <a:blip r:embed="rId6" cstate="print">
-            <a:extLst>
-              <a:ext uri="{28A0092B-C50C-407E-A947-70E740481C1C}">
-                <a14:useLocalDpi xmlns:a14="http://schemas.microsoft.com/office/drawing/2010/main" val="0"/>
-              </a:ext>
-            </a:extLst>
-          </a:blip>
-          <a:stretch>
-            <a:fillRect/>
-          </a:stretch>
-        </p:blipFill>
-        <p:spPr>
-          <a:xfrm>
-            <a:off x="4904157" y="5077146"/>
-            <a:ext cx="461316" cy="231639"/>
-          </a:xfrm>
-          <a:prstGeom prst="rect">
-            <a:avLst/>
-          </a:prstGeom>
-        </p:spPr>
-      </p:pic>
       <p:cxnSp>
         <p:nvCxnSpPr>
           <p:cNvPr id="101" name="Conector angular 100"/>
@@ -10892,36 +10920,6 @@
           </a:fontRef>
         </p:style>
       </p:cxnSp>
-      <p:pic>
-        <p:nvPicPr>
-          <p:cNvPr id="284" name="Imagen 283"/>
-          <p:cNvPicPr>
-            <a:picLocks noChangeAspect="1"/>
-          </p:cNvPicPr>
-          <p:nvPr/>
-        </p:nvPicPr>
-        <p:blipFill>
-          <a:blip r:embed="rId7" cstate="print">
-            <a:extLst>
-              <a:ext uri="{28A0092B-C50C-407E-A947-70E740481C1C}">
-                <a14:useLocalDpi xmlns:a14="http://schemas.microsoft.com/office/drawing/2010/main" val="0"/>
-              </a:ext>
-            </a:extLst>
-          </a:blip>
-          <a:stretch>
-            <a:fillRect/>
-          </a:stretch>
-        </p:blipFill>
-        <p:spPr>
-          <a:xfrm>
-            <a:off x="5749113" y="4448965"/>
-            <a:ext cx="406410" cy="186204"/>
-          </a:xfrm>
-          <a:prstGeom prst="rect">
-            <a:avLst/>
-          </a:prstGeom>
-        </p:spPr>
-      </p:pic>
       <p:cxnSp>
         <p:nvCxnSpPr>
           <p:cNvPr id="215" name="Conector angular 214"/>
@@ -11110,36 +11108,6 @@
           </a:p>
         </p:txBody>
       </p:sp>
-      <p:pic>
-        <p:nvPicPr>
-          <p:cNvPr id="293" name="Imagen 292"/>
-          <p:cNvPicPr>
-            <a:picLocks noChangeAspect="1"/>
-          </p:cNvPicPr>
-          <p:nvPr/>
-        </p:nvPicPr>
-        <p:blipFill>
-          <a:blip r:embed="rId8" cstate="print">
-            <a:extLst>
-              <a:ext uri="{28A0092B-C50C-407E-A947-70E740481C1C}">
-                <a14:useLocalDpi xmlns:a14="http://schemas.microsoft.com/office/drawing/2010/main" val="0"/>
-              </a:ext>
-            </a:extLst>
-          </a:blip>
-          <a:stretch>
-            <a:fillRect/>
-          </a:stretch>
-        </p:blipFill>
-        <p:spPr>
-          <a:xfrm>
-            <a:off x="6880357" y="4324413"/>
-            <a:ext cx="1071633" cy="478775"/>
-          </a:xfrm>
-          <a:prstGeom prst="rect">
-            <a:avLst/>
-          </a:prstGeom>
-        </p:spPr>
-      </p:pic>
       <p:cxnSp>
         <p:nvCxnSpPr>
           <p:cNvPr id="250" name="Conector angular 249"/>
@@ -11622,7 +11590,7 @@
                 <a:latin typeface="Arial" panose="020B0604020202020204" pitchFamily="34" charset="0"/>
                 <a:cs typeface="Arial" panose="020B0604020202020204" pitchFamily="34" charset="0"/>
               </a:rPr>
-              <a:t>f</a:t>
+              <a:t>a</a:t>
             </a:r>
             <a:r>
               <a:rPr lang="es-ES" sz="900" dirty="0" smtClean="0">
@@ -11632,17 +11600,7 @@
                 <a:latin typeface="Arial" panose="020B0604020202020204" pitchFamily="34" charset="0"/>
                 <a:cs typeface="Arial" panose="020B0604020202020204" pitchFamily="34" charset="0"/>
               </a:rPr>
-              <a:t>(</a:t>
-            </a:r>
-            <a:r>
-              <a:rPr lang="es-ES" sz="900" i="1" dirty="0" smtClean="0">
-                <a:solidFill>
-                  <a:schemeClr val="tx1"/>
-                </a:solidFill>
-                <a:latin typeface="Arial" panose="020B0604020202020204" pitchFamily="34" charset="0"/>
-                <a:cs typeface="Arial" panose="020B0604020202020204" pitchFamily="34" charset="0"/>
-              </a:rPr>
-              <a:t>a</a:t>
+              <a:t> </a:t>
             </a:r>
             <a:r>
               <a:rPr lang="es-ES" sz="900" dirty="0" smtClean="0">
@@ -11652,27 +11610,7 @@
                 <a:latin typeface="Arial" panose="020B0604020202020204" pitchFamily="34" charset="0"/>
                 <a:cs typeface="Arial" panose="020B0604020202020204" pitchFamily="34" charset="0"/>
               </a:rPr>
-              <a:t>) y </a:t>
-            </a:r>
-            <a:r>
-              <a:rPr lang="es-ES" sz="900" i="1" dirty="0" smtClean="0">
-                <a:solidFill>
-                  <a:schemeClr val="tx1"/>
-                </a:solidFill>
-                <a:latin typeface="Arial" panose="020B0604020202020204" pitchFamily="34" charset="0"/>
-                <a:cs typeface="Arial" panose="020B0604020202020204" pitchFamily="34" charset="0"/>
-              </a:rPr>
-              <a:t>f</a:t>
-            </a:r>
-            <a:r>
-              <a:rPr lang="es-ES" sz="900" dirty="0" smtClean="0">
-                <a:solidFill>
-                  <a:schemeClr val="tx1"/>
-                </a:solidFill>
-                <a:latin typeface="Arial" panose="020B0604020202020204" pitchFamily="34" charset="0"/>
-                <a:cs typeface="Arial" panose="020B0604020202020204" pitchFamily="34" charset="0"/>
-              </a:rPr>
-              <a:t>(</a:t>
+              <a:t>y </a:t>
             </a:r>
             <a:r>
               <a:rPr lang="es-ES" sz="900" i="1" dirty="0" smtClean="0">
@@ -11692,7 +11630,17 @@
                 <a:latin typeface="Arial" panose="020B0604020202020204" pitchFamily="34" charset="0"/>
                 <a:cs typeface="Arial" panose="020B0604020202020204" pitchFamily="34" charset="0"/>
               </a:rPr>
-              <a:t>) existen</a:t>
+              <a:t> </a:t>
+            </a:r>
+            <a:r>
+              <a:rPr lang="es-ES" sz="900" dirty="0" smtClean="0">
+                <a:solidFill>
+                  <a:schemeClr val="tx1"/>
+                </a:solidFill>
+                <a:latin typeface="Arial" panose="020B0604020202020204" pitchFamily="34" charset="0"/>
+                <a:cs typeface="Arial" panose="020B0604020202020204" pitchFamily="34" charset="0"/>
+              </a:rPr>
+              <a:t>existen</a:t>
             </a:r>
             <a:endParaRPr lang="es-ES" sz="900" dirty="0">
               <a:solidFill>
